--- a/content/Azure Fundamentals/2. Understand core Azure services/0. Introduction.pptx
+++ b/content/Azure Fundamentals/2. Understand core Azure services/0. Introduction.pptx
@@ -265,7 +265,7 @@
           <a:p>
             <a:fld id="{766927D6-957D-304E-8ACA-BA097D129572}" type="datetimeFigureOut">
               <a:rPr lang="en-US" smtClean="0"/>
-              <a:t>10/10/19</a:t>
+              <a:t>10/11/19</a:t>
             </a:fld>
             <a:endParaRPr lang="en-US"/>
           </a:p>
@@ -465,7 +465,7 @@
           <a:p>
             <a:fld id="{766927D6-957D-304E-8ACA-BA097D129572}" type="datetimeFigureOut">
               <a:rPr lang="en-US" smtClean="0"/>
-              <a:t>10/10/19</a:t>
+              <a:t>10/11/19</a:t>
             </a:fld>
             <a:endParaRPr lang="en-US"/>
           </a:p>
@@ -675,7 +675,7 @@
           <a:p>
             <a:fld id="{766927D6-957D-304E-8ACA-BA097D129572}" type="datetimeFigureOut">
               <a:rPr lang="en-US" smtClean="0"/>
-              <a:t>10/10/19</a:t>
+              <a:t>10/11/19</a:t>
             </a:fld>
             <a:endParaRPr lang="en-US"/>
           </a:p>
@@ -875,7 +875,7 @@
           <a:p>
             <a:fld id="{766927D6-957D-304E-8ACA-BA097D129572}" type="datetimeFigureOut">
               <a:rPr lang="en-US" smtClean="0"/>
-              <a:t>10/10/19</a:t>
+              <a:t>10/11/19</a:t>
             </a:fld>
             <a:endParaRPr lang="en-US"/>
           </a:p>
@@ -1181,7 +1181,7 @@
           <a:p>
             <a:fld id="{766927D6-957D-304E-8ACA-BA097D129572}" type="datetimeFigureOut">
               <a:rPr lang="en-US" smtClean="0"/>
-              <a:t>10/10/19</a:t>
+              <a:t>10/11/19</a:t>
             </a:fld>
             <a:endParaRPr lang="en-US"/>
           </a:p>
@@ -1449,7 +1449,7 @@
           <a:p>
             <a:fld id="{766927D6-957D-304E-8ACA-BA097D129572}" type="datetimeFigureOut">
               <a:rPr lang="en-US" smtClean="0"/>
-              <a:t>10/10/19</a:t>
+              <a:t>10/11/19</a:t>
             </a:fld>
             <a:endParaRPr lang="en-US"/>
           </a:p>
@@ -1864,7 +1864,7 @@
           <a:p>
             <a:fld id="{766927D6-957D-304E-8ACA-BA097D129572}" type="datetimeFigureOut">
               <a:rPr lang="en-US" smtClean="0"/>
-              <a:t>10/10/19</a:t>
+              <a:t>10/11/19</a:t>
             </a:fld>
             <a:endParaRPr lang="en-US"/>
           </a:p>
@@ -2006,7 +2006,7 @@
           <a:p>
             <a:fld id="{766927D6-957D-304E-8ACA-BA097D129572}" type="datetimeFigureOut">
               <a:rPr lang="en-US" smtClean="0"/>
-              <a:t>10/10/19</a:t>
+              <a:t>10/11/19</a:t>
             </a:fld>
             <a:endParaRPr lang="en-US"/>
           </a:p>
@@ -2119,7 +2119,7 @@
           <a:p>
             <a:fld id="{766927D6-957D-304E-8ACA-BA097D129572}" type="datetimeFigureOut">
               <a:rPr lang="en-US" smtClean="0"/>
-              <a:t>10/10/19</a:t>
+              <a:t>10/11/19</a:t>
             </a:fld>
             <a:endParaRPr lang="en-US"/>
           </a:p>
@@ -2432,7 +2432,7 @@
           <a:p>
             <a:fld id="{766927D6-957D-304E-8ACA-BA097D129572}" type="datetimeFigureOut">
               <a:rPr lang="en-US" smtClean="0"/>
-              <a:t>10/10/19</a:t>
+              <a:t>10/11/19</a:t>
             </a:fld>
             <a:endParaRPr lang="en-US"/>
           </a:p>
@@ -2721,7 +2721,7 @@
           <a:p>
             <a:fld id="{766927D6-957D-304E-8ACA-BA097D129572}" type="datetimeFigureOut">
               <a:rPr lang="en-US" smtClean="0"/>
-              <a:t>10/10/19</a:t>
+              <a:t>10/11/19</a:t>
             </a:fld>
             <a:endParaRPr lang="en-US"/>
           </a:p>
@@ -2964,7 +2964,7 @@
           <a:p>
             <a:fld id="{766927D6-957D-304E-8ACA-BA097D129572}" type="datetimeFigureOut">
               <a:rPr lang="en-US" smtClean="0"/>
-              <a:t>10/10/19</a:t>
+              <a:t>10/11/19</a:t>
             </a:fld>
             <a:endParaRPr lang="en-US"/>
           </a:p>
@@ -3480,7 +3480,9 @@
           </a:xfrm>
         </p:spPr>
         <p:txBody>
-          <a:bodyPr/>
+          <a:bodyPr>
+            <a:normAutofit lnSpcReduction="10000"/>
+          </a:bodyPr>
           <a:lstStyle/>
           <a:p>
             <a:endParaRPr lang="en-US" dirty="0"/>
@@ -3504,6 +3506,21 @@
               </a:rPr>
               <a:t>Alistair Pugin</a:t>
             </a:r>
+          </a:p>
+          <a:p>
+            <a:r>
+              <a:rPr lang="en-ZA" b="1" dirty="0">
+                <a:solidFill>
+                  <a:schemeClr val="bg1"/>
+                </a:solidFill>
+              </a:rPr>
+              <a:t>msevent122fy</a:t>
+            </a:r>
+            <a:endParaRPr lang="en-US" dirty="0">
+              <a:solidFill>
+                <a:schemeClr val="bg1"/>
+              </a:solidFill>
+            </a:endParaRPr>
           </a:p>
         </p:txBody>
       </p:sp>
@@ -4850,12 +4867,12 @@
                     <a:p>
                       <a:pPr algn="l" fontAlgn="b"/>
                       <a:r>
-                        <a:rPr lang="en-ZA" sz="1200" u="none" strike="noStrike">
+                        <a:rPr lang="en-ZA" sz="1200" u="none" strike="noStrike" dirty="0">
                           <a:effectLst/>
                         </a:rPr>
                         <a:t>15 Minutes</a:t>
                       </a:r>
-                      <a:endParaRPr lang="en-ZA" sz="1200" b="0" i="0" u="none" strike="noStrike">
+                      <a:endParaRPr lang="en-ZA" sz="1200" b="0" i="0" u="none" strike="noStrike" dirty="0">
                         <a:solidFill>
                           <a:srgbClr val="000000"/>
                         </a:solidFill>
